--- a/R in Jupyter.pptx
+++ b/R in Jupyter.pptx
@@ -124,7 +124,7 @@
   </p:defaultTextStyle>
   <p:extLst>
     <p:ext uri="{EFAFB233-063F-42B5-8137-9DF3F51BA10A}">
-      <p15:sldGuideLst xmlns:p15="http://schemas.microsoft.com/office/powerpoint/2012/main" xmlns="">
+      <p15:sldGuideLst xmlns="" xmlns:p15="http://schemas.microsoft.com/office/powerpoint/2012/main">
         <p15:guide id="1" orient="horz" pos="2160">
           <p15:clr>
             <a:srgbClr val="A4A3A4"/>
@@ -143,7 +143,7 @@
       </p15:sldGuideLst>
     </p:ext>
     <p:ext uri="{2D200454-40CA-4A62-9FC3-DE9A4176ACB9}">
-      <p15:notesGuideLst xmlns:p15="http://schemas.microsoft.com/office/powerpoint/2012/main" xmlns="">
+      <p15:notesGuideLst xmlns="" xmlns:p15="http://schemas.microsoft.com/office/powerpoint/2012/main">
         <p15:guide id="1" orient="horz" pos="2880">
           <p15:clr>
             <a:srgbClr val="A4A3A4"/>
@@ -7016,7 +7016,7 @@
   </p:timing>
   <p:extLst mod="1">
     <p:ext uri="{DCECCB84-F9BA-43D5-87BE-67443E8EF086}">
-      <p15:sldGuideLst xmlns:p15="http://schemas.microsoft.com/office/powerpoint/2012/main" xmlns="">
+      <p15:sldGuideLst xmlns="" xmlns:p15="http://schemas.microsoft.com/office/powerpoint/2012/main">
         <p15:guide id="1" orient="horz" pos="1008" userDrawn="1">
           <p15:clr>
             <a:srgbClr val="FBAE40"/>
@@ -7399,7 +7399,7 @@
   </p:timing>
   <p:extLst mod="1">
     <p:ext uri="{DCECCB84-F9BA-43D5-87BE-67443E8EF086}">
-      <p15:sldGuideLst xmlns:p15="http://schemas.microsoft.com/office/powerpoint/2012/main" xmlns="">
+      <p15:sldGuideLst xmlns="" xmlns:p15="http://schemas.microsoft.com/office/powerpoint/2012/main">
         <p15:guide id="2" pos="552" userDrawn="1">
           <p15:clr>
             <a:srgbClr val="FBAE40"/>
@@ -11277,7 +11277,7 @@
   </p:txStyles>
   <p:extLst mod="1">
     <p:ext uri="{27BBF7A9-308A-43DC-89C8-2F10F3537804}">
-      <p15:sldGuideLst xmlns:p15="http://schemas.microsoft.com/office/powerpoint/2012/main" xmlns="">
+      <p15:sldGuideLst xmlns="" xmlns:p15="http://schemas.microsoft.com/office/powerpoint/2012/main">
         <p15:guide id="1" orient="horz" pos="3736" userDrawn="1">
           <p15:clr>
             <a:srgbClr val="F26B43"/>
@@ -12327,7 +12327,7 @@
           <a:bodyPr/>
           <a:lstStyle/>
           <a:p>
-            <a:endParaRPr lang="en-US"/>
+            <a:endParaRPr lang="en-US" dirty="0"/>
           </a:p>
         </p:txBody>
       </p:sp>
@@ -12564,7 +12564,7 @@
               <a:rPr lang="en-US" sz="2400" dirty="0" smtClean="0">
                 <a:hlinkClick r:id="rId4"/>
               </a:rPr>
-              <a:t>github.com/DaveSnell/Demo-of-R-in-Jupyter-notebook</a:t>
+              <a:t>github.com/DaveSnell/demo-of-R-in-Jupyter</a:t>
             </a:r>
             <a:r>
               <a:rPr lang="en-US" sz="2400" dirty="0" smtClean="0"/>
@@ -16754,9 +16754,12 @@
 </file>
 
 <file path=customXml/item1.xml><?xml version="1.0" encoding="utf-8"?>
-<p:properties xmlns:p="http://schemas.microsoft.com/office/2006/metadata/properties" xmlns:xsi="http://www.w3.org/2001/XMLSchema-instance" xmlns:pc="http://schemas.microsoft.com/office/infopath/2007/PartnerControls">
-  <documentManagement/>
-</p:properties>
+<?mso-contentType ?>
+<FormTemplates xmlns="http://schemas.microsoft.com/sharepoint/v3/contenttype/forms">
+  <Display>DocumentLibraryForm</Display>
+  <Edit>DocumentLibraryForm</Edit>
+  <New>DocumentLibraryForm</New>
+</FormTemplates>
 </file>
 
 <file path=customXml/item2.xml><?xml version="1.0" encoding="utf-8"?>
@@ -16874,25 +16877,15 @@
 </file>
 
 <file path=customXml/item3.xml><?xml version="1.0" encoding="utf-8"?>
-<?mso-contentType ?>
-<FormTemplates xmlns="http://schemas.microsoft.com/sharepoint/v3/contenttype/forms">
-  <Display>DocumentLibraryForm</Display>
-  <Edit>DocumentLibraryForm</Edit>
-  <New>DocumentLibraryForm</New>
-</FormTemplates>
+<p:properties xmlns:p="http://schemas.microsoft.com/office/2006/metadata/properties" xmlns:xsi="http://www.w3.org/2001/XMLSchema-instance" xmlns:pc="http://schemas.microsoft.com/office/infopath/2007/PartnerControls">
+  <documentManagement/>
+</p:properties>
 </file>
 
 <file path=customXml/itemProps1.xml><?xml version="1.0" encoding="utf-8"?>
-<ds:datastoreItem xmlns:ds="http://schemas.openxmlformats.org/officeDocument/2006/customXml" ds:itemID="{A6BEFDA6-0871-457D-9833-057C9BDF3A5C}">
+<ds:datastoreItem xmlns:ds="http://schemas.openxmlformats.org/officeDocument/2006/customXml" ds:itemID="{F3786520-D866-461B-A592-B81A5A49F712}">
   <ds:schemaRefs>
-    <ds:schemaRef ds:uri="http://purl.org/dc/dcmitype/"/>
-    <ds:schemaRef ds:uri="http://purl.org/dc/terms/"/>
-    <ds:schemaRef ds:uri="http://schemas.microsoft.com/office/2006/documentManagement/types"/>
-    <ds:schemaRef ds:uri="http://www.w3.org/XML/1998/namespace"/>
-    <ds:schemaRef ds:uri="http://purl.org/dc/elements/1.1/"/>
-    <ds:schemaRef ds:uri="http://schemas.microsoft.com/office/2006/metadata/properties"/>
-    <ds:schemaRef ds:uri="http://schemas.microsoft.com/office/infopath/2007/PartnerControls"/>
-    <ds:schemaRef ds:uri="http://schemas.openxmlformats.org/package/2006/metadata/core-properties"/>
+    <ds:schemaRef ds:uri="http://schemas.microsoft.com/sharepoint/v3/contenttype/forms"/>
   </ds:schemaRefs>
 </ds:datastoreItem>
 </file>
@@ -16914,9 +16907,16 @@
 </file>
 
 <file path=customXml/itemProps3.xml><?xml version="1.0" encoding="utf-8"?>
-<ds:datastoreItem xmlns:ds="http://schemas.openxmlformats.org/officeDocument/2006/customXml" ds:itemID="{F3786520-D866-461B-A592-B81A5A49F712}">
+<ds:datastoreItem xmlns:ds="http://schemas.openxmlformats.org/officeDocument/2006/customXml" ds:itemID="{A6BEFDA6-0871-457D-9833-057C9BDF3A5C}">
   <ds:schemaRefs>
-    <ds:schemaRef ds:uri="http://schemas.microsoft.com/sharepoint/v3/contenttype/forms"/>
+    <ds:schemaRef ds:uri="http://purl.org/dc/dcmitype/"/>
+    <ds:schemaRef ds:uri="http://purl.org/dc/terms/"/>
+    <ds:schemaRef ds:uri="http://schemas.microsoft.com/office/2006/documentManagement/types"/>
+    <ds:schemaRef ds:uri="http://www.w3.org/XML/1998/namespace"/>
+    <ds:schemaRef ds:uri="http://purl.org/dc/elements/1.1/"/>
+    <ds:schemaRef ds:uri="http://schemas.microsoft.com/office/2006/metadata/properties"/>
+    <ds:schemaRef ds:uri="http://schemas.microsoft.com/office/infopath/2007/PartnerControls"/>
+    <ds:schemaRef ds:uri="http://schemas.openxmlformats.org/package/2006/metadata/core-properties"/>
   </ds:schemaRefs>
 </ds:datastoreItem>
 </file>